--- a/04_javascript_react/JavaScript.pptx
+++ b/04_javascript_react/JavaScript.pptx
@@ -10,7 +10,6 @@
     <p:sldId id="259" r:id="rId4"/>
     <p:sldId id="265" r:id="rId5"/>
     <p:sldId id="266" r:id="rId6"/>
-    <p:sldId id="261" r:id="rId7"/>
   </p:sldIdLst>
   <p:sldSz cx="12192000" cy="6858000"/>
   <p:notesSz cx="6858000" cy="9144000"/>
@@ -3365,39 +3364,16 @@
         </p:nvSpPr>
         <p:spPr/>
         <p:txBody>
-          <a:bodyPr/>
+          <a:bodyPr>
+            <a:normAutofit/>
+          </a:bodyPr>
           <a:lstStyle/>
           <a:p>
             <a:r>
-              <a:rPr lang="en-US" dirty="0"/>
+              <a:rPr lang="en-US" sz="8000" dirty="0"/>
               <a:t>JavaScript review</a:t>
             </a:r>
-            <a:endParaRPr lang="ru-RU" dirty="0"/>
-          </a:p>
-        </p:txBody>
-      </p:sp>
-      <p:sp>
-        <p:nvSpPr>
-          <p:cNvPr id="3" name="Subtitle 2">
-            <a:extLst>
-              <a:ext uri="{FF2B5EF4-FFF2-40B4-BE49-F238E27FC236}">
-                <a16:creationId xmlns:a16="http://schemas.microsoft.com/office/drawing/2014/main" id="{53A40D41-380C-3449-B97D-76820FAEC438}"/>
-              </a:ext>
-            </a:extLst>
-          </p:cNvPr>
-          <p:cNvSpPr>
-            <a:spLocks noGrp="1"/>
-          </p:cNvSpPr>
-          <p:nvPr>
-            <p:ph type="subTitle" idx="1"/>
-          </p:nvPr>
-        </p:nvSpPr>
-        <p:spPr/>
-        <p:txBody>
-          <a:bodyPr/>
-          <a:lstStyle/>
-          <a:p>
-            <a:endParaRPr lang="ru-RU" dirty="0"/>
+            <a:endParaRPr lang="ru-RU" sz="8000" dirty="0"/>
           </a:p>
         </p:txBody>
       </p:sp>
@@ -3454,7 +3430,7 @@
           <a:p>
             <a:r>
               <a:rPr lang="en-US" dirty="0"/>
-              <a:t>JavaScript types</a:t>
+              <a:t>JavaScript types?</a:t>
             </a:r>
             <a:endParaRPr lang="ru-RU" dirty="0"/>
           </a:p>
@@ -3594,6 +3570,935 @@
   <p:clrMapOvr>
     <a:masterClrMapping/>
   </p:clrMapOvr>
+  <p:timing>
+    <p:tnLst>
+      <p:par>
+        <p:cTn id="1" dur="indefinite" restart="never" nodeType="tmRoot">
+          <p:childTnLst>
+            <p:seq concurrent="1" nextAc="seek">
+              <p:cTn id="2" dur="indefinite" nodeType="mainSeq">
+                <p:childTnLst>
+                  <p:par>
+                    <p:cTn id="3" fill="hold">
+                      <p:stCondLst>
+                        <p:cond delay="indefinite"/>
+                      </p:stCondLst>
+                      <p:childTnLst>
+                        <p:par>
+                          <p:cTn id="4" fill="hold">
+                            <p:stCondLst>
+                              <p:cond delay="0"/>
+                            </p:stCondLst>
+                            <p:childTnLst>
+                              <p:par>
+                                <p:cTn id="5" presetID="12" presetClass="entr" presetSubtype="4" fill="hold" grpId="0" nodeType="clickEffect">
+                                  <p:stCondLst>
+                                    <p:cond delay="0"/>
+                                  </p:stCondLst>
+                                  <p:childTnLst>
+                                    <p:set>
+                                      <p:cBhvr>
+                                        <p:cTn id="6" dur="1" fill="hold">
+                                          <p:stCondLst>
+                                            <p:cond delay="0"/>
+                                          </p:stCondLst>
+                                        </p:cTn>
+                                        <p:tgtEl>
+                                          <p:spTgt spid="3">
+                                            <p:txEl>
+                                              <p:pRg st="0" end="0"/>
+                                            </p:txEl>
+                                          </p:spTgt>
+                                        </p:tgtEl>
+                                        <p:attrNameLst>
+                                          <p:attrName>style.visibility</p:attrName>
+                                        </p:attrNameLst>
+                                      </p:cBhvr>
+                                      <p:to>
+                                        <p:strVal val="visible"/>
+                                      </p:to>
+                                    </p:set>
+                                    <p:anim calcmode="lin" valueType="num">
+                                      <p:cBhvr additive="base">
+                                        <p:cTn id="7" dur="500"/>
+                                        <p:tgtEl>
+                                          <p:spTgt spid="3">
+                                            <p:txEl>
+                                              <p:pRg st="0" end="0"/>
+                                            </p:txEl>
+                                          </p:spTgt>
+                                        </p:tgtEl>
+                                        <p:attrNameLst>
+                                          <p:attrName>ppt_y</p:attrName>
+                                        </p:attrNameLst>
+                                      </p:cBhvr>
+                                      <p:tavLst>
+                                        <p:tav tm="0">
+                                          <p:val>
+                                            <p:strVal val="#ppt_y+#ppt_h*1.125000"/>
+                                          </p:val>
+                                        </p:tav>
+                                        <p:tav tm="100000">
+                                          <p:val>
+                                            <p:strVal val="#ppt_y"/>
+                                          </p:val>
+                                        </p:tav>
+                                      </p:tavLst>
+                                    </p:anim>
+                                    <p:animEffect transition="in" filter="wipe(up)">
+                                      <p:cBhvr>
+                                        <p:cTn id="8" dur="500"/>
+                                        <p:tgtEl>
+                                          <p:spTgt spid="3">
+                                            <p:txEl>
+                                              <p:pRg st="0" end="0"/>
+                                            </p:txEl>
+                                          </p:spTgt>
+                                        </p:tgtEl>
+                                      </p:cBhvr>
+                                    </p:animEffect>
+                                  </p:childTnLst>
+                                </p:cTn>
+                              </p:par>
+                            </p:childTnLst>
+                          </p:cTn>
+                        </p:par>
+                      </p:childTnLst>
+                    </p:cTn>
+                  </p:par>
+                  <p:par>
+                    <p:cTn id="9" fill="hold">
+                      <p:stCondLst>
+                        <p:cond delay="indefinite"/>
+                      </p:stCondLst>
+                      <p:childTnLst>
+                        <p:par>
+                          <p:cTn id="10" fill="hold">
+                            <p:stCondLst>
+                              <p:cond delay="0"/>
+                            </p:stCondLst>
+                            <p:childTnLst>
+                              <p:par>
+                                <p:cTn id="11" presetID="12" presetClass="entr" presetSubtype="4" fill="hold" grpId="0" nodeType="clickEffect">
+                                  <p:stCondLst>
+                                    <p:cond delay="0"/>
+                                  </p:stCondLst>
+                                  <p:childTnLst>
+                                    <p:set>
+                                      <p:cBhvr>
+                                        <p:cTn id="12" dur="1" fill="hold">
+                                          <p:stCondLst>
+                                            <p:cond delay="0"/>
+                                          </p:stCondLst>
+                                        </p:cTn>
+                                        <p:tgtEl>
+                                          <p:spTgt spid="3">
+                                            <p:txEl>
+                                              <p:pRg st="1" end="1"/>
+                                            </p:txEl>
+                                          </p:spTgt>
+                                        </p:tgtEl>
+                                        <p:attrNameLst>
+                                          <p:attrName>style.visibility</p:attrName>
+                                        </p:attrNameLst>
+                                      </p:cBhvr>
+                                      <p:to>
+                                        <p:strVal val="visible"/>
+                                      </p:to>
+                                    </p:set>
+                                    <p:anim calcmode="lin" valueType="num">
+                                      <p:cBhvr additive="base">
+                                        <p:cTn id="13" dur="500"/>
+                                        <p:tgtEl>
+                                          <p:spTgt spid="3">
+                                            <p:txEl>
+                                              <p:pRg st="1" end="1"/>
+                                            </p:txEl>
+                                          </p:spTgt>
+                                        </p:tgtEl>
+                                        <p:attrNameLst>
+                                          <p:attrName>ppt_y</p:attrName>
+                                        </p:attrNameLst>
+                                      </p:cBhvr>
+                                      <p:tavLst>
+                                        <p:tav tm="0">
+                                          <p:val>
+                                            <p:strVal val="#ppt_y+#ppt_h*1.125000"/>
+                                          </p:val>
+                                        </p:tav>
+                                        <p:tav tm="100000">
+                                          <p:val>
+                                            <p:strVal val="#ppt_y"/>
+                                          </p:val>
+                                        </p:tav>
+                                      </p:tavLst>
+                                    </p:anim>
+                                    <p:animEffect transition="in" filter="wipe(up)">
+                                      <p:cBhvr>
+                                        <p:cTn id="14" dur="500"/>
+                                        <p:tgtEl>
+                                          <p:spTgt spid="3">
+                                            <p:txEl>
+                                              <p:pRg st="1" end="1"/>
+                                            </p:txEl>
+                                          </p:spTgt>
+                                        </p:tgtEl>
+                                      </p:cBhvr>
+                                    </p:animEffect>
+                                  </p:childTnLst>
+                                </p:cTn>
+                              </p:par>
+                            </p:childTnLst>
+                          </p:cTn>
+                        </p:par>
+                      </p:childTnLst>
+                    </p:cTn>
+                  </p:par>
+                  <p:par>
+                    <p:cTn id="15" fill="hold">
+                      <p:stCondLst>
+                        <p:cond delay="indefinite"/>
+                      </p:stCondLst>
+                      <p:childTnLst>
+                        <p:par>
+                          <p:cTn id="16" fill="hold">
+                            <p:stCondLst>
+                              <p:cond delay="0"/>
+                            </p:stCondLst>
+                            <p:childTnLst>
+                              <p:par>
+                                <p:cTn id="17" presetID="12" presetClass="entr" presetSubtype="4" fill="hold" grpId="0" nodeType="clickEffect">
+                                  <p:stCondLst>
+                                    <p:cond delay="0"/>
+                                  </p:stCondLst>
+                                  <p:childTnLst>
+                                    <p:set>
+                                      <p:cBhvr>
+                                        <p:cTn id="18" dur="1" fill="hold">
+                                          <p:stCondLst>
+                                            <p:cond delay="0"/>
+                                          </p:stCondLst>
+                                        </p:cTn>
+                                        <p:tgtEl>
+                                          <p:spTgt spid="3">
+                                            <p:txEl>
+                                              <p:pRg st="2" end="2"/>
+                                            </p:txEl>
+                                          </p:spTgt>
+                                        </p:tgtEl>
+                                        <p:attrNameLst>
+                                          <p:attrName>style.visibility</p:attrName>
+                                        </p:attrNameLst>
+                                      </p:cBhvr>
+                                      <p:to>
+                                        <p:strVal val="visible"/>
+                                      </p:to>
+                                    </p:set>
+                                    <p:anim calcmode="lin" valueType="num">
+                                      <p:cBhvr additive="base">
+                                        <p:cTn id="19" dur="500"/>
+                                        <p:tgtEl>
+                                          <p:spTgt spid="3">
+                                            <p:txEl>
+                                              <p:pRg st="2" end="2"/>
+                                            </p:txEl>
+                                          </p:spTgt>
+                                        </p:tgtEl>
+                                        <p:attrNameLst>
+                                          <p:attrName>ppt_y</p:attrName>
+                                        </p:attrNameLst>
+                                      </p:cBhvr>
+                                      <p:tavLst>
+                                        <p:tav tm="0">
+                                          <p:val>
+                                            <p:strVal val="#ppt_y+#ppt_h*1.125000"/>
+                                          </p:val>
+                                        </p:tav>
+                                        <p:tav tm="100000">
+                                          <p:val>
+                                            <p:strVal val="#ppt_y"/>
+                                          </p:val>
+                                        </p:tav>
+                                      </p:tavLst>
+                                    </p:anim>
+                                    <p:animEffect transition="in" filter="wipe(up)">
+                                      <p:cBhvr>
+                                        <p:cTn id="20" dur="500"/>
+                                        <p:tgtEl>
+                                          <p:spTgt spid="3">
+                                            <p:txEl>
+                                              <p:pRg st="2" end="2"/>
+                                            </p:txEl>
+                                          </p:spTgt>
+                                        </p:tgtEl>
+                                      </p:cBhvr>
+                                    </p:animEffect>
+                                  </p:childTnLst>
+                                </p:cTn>
+                              </p:par>
+                            </p:childTnLst>
+                          </p:cTn>
+                        </p:par>
+                      </p:childTnLst>
+                    </p:cTn>
+                  </p:par>
+                  <p:par>
+                    <p:cTn id="21" fill="hold">
+                      <p:stCondLst>
+                        <p:cond delay="indefinite"/>
+                      </p:stCondLst>
+                      <p:childTnLst>
+                        <p:par>
+                          <p:cTn id="22" fill="hold">
+                            <p:stCondLst>
+                              <p:cond delay="0"/>
+                            </p:stCondLst>
+                            <p:childTnLst>
+                              <p:par>
+                                <p:cTn id="23" presetID="12" presetClass="entr" presetSubtype="4" fill="hold" grpId="0" nodeType="clickEffect">
+                                  <p:stCondLst>
+                                    <p:cond delay="0"/>
+                                  </p:stCondLst>
+                                  <p:childTnLst>
+                                    <p:set>
+                                      <p:cBhvr>
+                                        <p:cTn id="24" dur="1" fill="hold">
+                                          <p:stCondLst>
+                                            <p:cond delay="0"/>
+                                          </p:stCondLst>
+                                        </p:cTn>
+                                        <p:tgtEl>
+                                          <p:spTgt spid="3">
+                                            <p:txEl>
+                                              <p:pRg st="3" end="3"/>
+                                            </p:txEl>
+                                          </p:spTgt>
+                                        </p:tgtEl>
+                                        <p:attrNameLst>
+                                          <p:attrName>style.visibility</p:attrName>
+                                        </p:attrNameLst>
+                                      </p:cBhvr>
+                                      <p:to>
+                                        <p:strVal val="visible"/>
+                                      </p:to>
+                                    </p:set>
+                                    <p:anim calcmode="lin" valueType="num">
+                                      <p:cBhvr additive="base">
+                                        <p:cTn id="25" dur="500"/>
+                                        <p:tgtEl>
+                                          <p:spTgt spid="3">
+                                            <p:txEl>
+                                              <p:pRg st="3" end="3"/>
+                                            </p:txEl>
+                                          </p:spTgt>
+                                        </p:tgtEl>
+                                        <p:attrNameLst>
+                                          <p:attrName>ppt_y</p:attrName>
+                                        </p:attrNameLst>
+                                      </p:cBhvr>
+                                      <p:tavLst>
+                                        <p:tav tm="0">
+                                          <p:val>
+                                            <p:strVal val="#ppt_y+#ppt_h*1.125000"/>
+                                          </p:val>
+                                        </p:tav>
+                                        <p:tav tm="100000">
+                                          <p:val>
+                                            <p:strVal val="#ppt_y"/>
+                                          </p:val>
+                                        </p:tav>
+                                      </p:tavLst>
+                                    </p:anim>
+                                    <p:animEffect transition="in" filter="wipe(up)">
+                                      <p:cBhvr>
+                                        <p:cTn id="26" dur="500"/>
+                                        <p:tgtEl>
+                                          <p:spTgt spid="3">
+                                            <p:txEl>
+                                              <p:pRg st="3" end="3"/>
+                                            </p:txEl>
+                                          </p:spTgt>
+                                        </p:tgtEl>
+                                      </p:cBhvr>
+                                    </p:animEffect>
+                                  </p:childTnLst>
+                                </p:cTn>
+                              </p:par>
+                            </p:childTnLst>
+                          </p:cTn>
+                        </p:par>
+                      </p:childTnLst>
+                    </p:cTn>
+                  </p:par>
+                  <p:par>
+                    <p:cTn id="27" fill="hold">
+                      <p:stCondLst>
+                        <p:cond delay="indefinite"/>
+                      </p:stCondLst>
+                      <p:childTnLst>
+                        <p:par>
+                          <p:cTn id="28" fill="hold">
+                            <p:stCondLst>
+                              <p:cond delay="0"/>
+                            </p:stCondLst>
+                            <p:childTnLst>
+                              <p:par>
+                                <p:cTn id="29" presetID="12" presetClass="entr" presetSubtype="4" fill="hold" grpId="0" nodeType="clickEffect">
+                                  <p:stCondLst>
+                                    <p:cond delay="0"/>
+                                  </p:stCondLst>
+                                  <p:childTnLst>
+                                    <p:set>
+                                      <p:cBhvr>
+                                        <p:cTn id="30" dur="1" fill="hold">
+                                          <p:stCondLst>
+                                            <p:cond delay="0"/>
+                                          </p:stCondLst>
+                                        </p:cTn>
+                                        <p:tgtEl>
+                                          <p:spTgt spid="3">
+                                            <p:txEl>
+                                              <p:pRg st="4" end="4"/>
+                                            </p:txEl>
+                                          </p:spTgt>
+                                        </p:tgtEl>
+                                        <p:attrNameLst>
+                                          <p:attrName>style.visibility</p:attrName>
+                                        </p:attrNameLst>
+                                      </p:cBhvr>
+                                      <p:to>
+                                        <p:strVal val="visible"/>
+                                      </p:to>
+                                    </p:set>
+                                    <p:anim calcmode="lin" valueType="num">
+                                      <p:cBhvr additive="base">
+                                        <p:cTn id="31" dur="500"/>
+                                        <p:tgtEl>
+                                          <p:spTgt spid="3">
+                                            <p:txEl>
+                                              <p:pRg st="4" end="4"/>
+                                            </p:txEl>
+                                          </p:spTgt>
+                                        </p:tgtEl>
+                                        <p:attrNameLst>
+                                          <p:attrName>ppt_y</p:attrName>
+                                        </p:attrNameLst>
+                                      </p:cBhvr>
+                                      <p:tavLst>
+                                        <p:tav tm="0">
+                                          <p:val>
+                                            <p:strVal val="#ppt_y+#ppt_h*1.125000"/>
+                                          </p:val>
+                                        </p:tav>
+                                        <p:tav tm="100000">
+                                          <p:val>
+                                            <p:strVal val="#ppt_y"/>
+                                          </p:val>
+                                        </p:tav>
+                                      </p:tavLst>
+                                    </p:anim>
+                                    <p:animEffect transition="in" filter="wipe(up)">
+                                      <p:cBhvr>
+                                        <p:cTn id="32" dur="500"/>
+                                        <p:tgtEl>
+                                          <p:spTgt spid="3">
+                                            <p:txEl>
+                                              <p:pRg st="4" end="4"/>
+                                            </p:txEl>
+                                          </p:spTgt>
+                                        </p:tgtEl>
+                                      </p:cBhvr>
+                                    </p:animEffect>
+                                  </p:childTnLst>
+                                </p:cTn>
+                              </p:par>
+                              <p:par>
+                                <p:cTn id="33" presetID="12" presetClass="entr" presetSubtype="4" fill="hold" grpId="0" nodeType="withEffect">
+                                  <p:stCondLst>
+                                    <p:cond delay="0"/>
+                                  </p:stCondLst>
+                                  <p:childTnLst>
+                                    <p:set>
+                                      <p:cBhvr>
+                                        <p:cTn id="34" dur="1" fill="hold">
+                                          <p:stCondLst>
+                                            <p:cond delay="0"/>
+                                          </p:stCondLst>
+                                        </p:cTn>
+                                        <p:tgtEl>
+                                          <p:spTgt spid="3">
+                                            <p:txEl>
+                                              <p:pRg st="5" end="5"/>
+                                            </p:txEl>
+                                          </p:spTgt>
+                                        </p:tgtEl>
+                                        <p:attrNameLst>
+                                          <p:attrName>style.visibility</p:attrName>
+                                        </p:attrNameLst>
+                                      </p:cBhvr>
+                                      <p:to>
+                                        <p:strVal val="visible"/>
+                                      </p:to>
+                                    </p:set>
+                                    <p:anim calcmode="lin" valueType="num">
+                                      <p:cBhvr additive="base">
+                                        <p:cTn id="35" dur="500"/>
+                                        <p:tgtEl>
+                                          <p:spTgt spid="3">
+                                            <p:txEl>
+                                              <p:pRg st="5" end="5"/>
+                                            </p:txEl>
+                                          </p:spTgt>
+                                        </p:tgtEl>
+                                        <p:attrNameLst>
+                                          <p:attrName>ppt_y</p:attrName>
+                                        </p:attrNameLst>
+                                      </p:cBhvr>
+                                      <p:tavLst>
+                                        <p:tav tm="0">
+                                          <p:val>
+                                            <p:strVal val="#ppt_y+#ppt_h*1.125000"/>
+                                          </p:val>
+                                        </p:tav>
+                                        <p:tav tm="100000">
+                                          <p:val>
+                                            <p:strVal val="#ppt_y"/>
+                                          </p:val>
+                                        </p:tav>
+                                      </p:tavLst>
+                                    </p:anim>
+                                    <p:animEffect transition="in" filter="wipe(up)">
+                                      <p:cBhvr>
+                                        <p:cTn id="36" dur="500"/>
+                                        <p:tgtEl>
+                                          <p:spTgt spid="3">
+                                            <p:txEl>
+                                              <p:pRg st="5" end="5"/>
+                                            </p:txEl>
+                                          </p:spTgt>
+                                        </p:tgtEl>
+                                      </p:cBhvr>
+                                    </p:animEffect>
+                                  </p:childTnLst>
+                                </p:cTn>
+                              </p:par>
+                              <p:par>
+                                <p:cTn id="37" presetID="12" presetClass="entr" presetSubtype="4" fill="hold" grpId="0" nodeType="withEffect">
+                                  <p:stCondLst>
+                                    <p:cond delay="0"/>
+                                  </p:stCondLst>
+                                  <p:childTnLst>
+                                    <p:set>
+                                      <p:cBhvr>
+                                        <p:cTn id="38" dur="1" fill="hold">
+                                          <p:stCondLst>
+                                            <p:cond delay="0"/>
+                                          </p:stCondLst>
+                                        </p:cTn>
+                                        <p:tgtEl>
+                                          <p:spTgt spid="3">
+                                            <p:txEl>
+                                              <p:pRg st="6" end="6"/>
+                                            </p:txEl>
+                                          </p:spTgt>
+                                        </p:tgtEl>
+                                        <p:attrNameLst>
+                                          <p:attrName>style.visibility</p:attrName>
+                                        </p:attrNameLst>
+                                      </p:cBhvr>
+                                      <p:to>
+                                        <p:strVal val="visible"/>
+                                      </p:to>
+                                    </p:set>
+                                    <p:anim calcmode="lin" valueType="num">
+                                      <p:cBhvr additive="base">
+                                        <p:cTn id="39" dur="500"/>
+                                        <p:tgtEl>
+                                          <p:spTgt spid="3">
+                                            <p:txEl>
+                                              <p:pRg st="6" end="6"/>
+                                            </p:txEl>
+                                          </p:spTgt>
+                                        </p:tgtEl>
+                                        <p:attrNameLst>
+                                          <p:attrName>ppt_y</p:attrName>
+                                        </p:attrNameLst>
+                                      </p:cBhvr>
+                                      <p:tavLst>
+                                        <p:tav tm="0">
+                                          <p:val>
+                                            <p:strVal val="#ppt_y+#ppt_h*1.125000"/>
+                                          </p:val>
+                                        </p:tav>
+                                        <p:tav tm="100000">
+                                          <p:val>
+                                            <p:strVal val="#ppt_y"/>
+                                          </p:val>
+                                        </p:tav>
+                                      </p:tavLst>
+                                    </p:anim>
+                                    <p:animEffect transition="in" filter="wipe(up)">
+                                      <p:cBhvr>
+                                        <p:cTn id="40" dur="500"/>
+                                        <p:tgtEl>
+                                          <p:spTgt spid="3">
+                                            <p:txEl>
+                                              <p:pRg st="6" end="6"/>
+                                            </p:txEl>
+                                          </p:spTgt>
+                                        </p:tgtEl>
+                                      </p:cBhvr>
+                                    </p:animEffect>
+                                  </p:childTnLst>
+                                </p:cTn>
+                              </p:par>
+                              <p:par>
+                                <p:cTn id="41" presetID="12" presetClass="entr" presetSubtype="4" fill="hold" grpId="0" nodeType="withEffect">
+                                  <p:stCondLst>
+                                    <p:cond delay="0"/>
+                                  </p:stCondLst>
+                                  <p:childTnLst>
+                                    <p:set>
+                                      <p:cBhvr>
+                                        <p:cTn id="42" dur="1" fill="hold">
+                                          <p:stCondLst>
+                                            <p:cond delay="0"/>
+                                          </p:stCondLst>
+                                        </p:cTn>
+                                        <p:tgtEl>
+                                          <p:spTgt spid="3">
+                                            <p:txEl>
+                                              <p:pRg st="7" end="7"/>
+                                            </p:txEl>
+                                          </p:spTgt>
+                                        </p:tgtEl>
+                                        <p:attrNameLst>
+                                          <p:attrName>style.visibility</p:attrName>
+                                        </p:attrNameLst>
+                                      </p:cBhvr>
+                                      <p:to>
+                                        <p:strVal val="visible"/>
+                                      </p:to>
+                                    </p:set>
+                                    <p:anim calcmode="lin" valueType="num">
+                                      <p:cBhvr additive="base">
+                                        <p:cTn id="43" dur="500"/>
+                                        <p:tgtEl>
+                                          <p:spTgt spid="3">
+                                            <p:txEl>
+                                              <p:pRg st="7" end="7"/>
+                                            </p:txEl>
+                                          </p:spTgt>
+                                        </p:tgtEl>
+                                        <p:attrNameLst>
+                                          <p:attrName>ppt_y</p:attrName>
+                                        </p:attrNameLst>
+                                      </p:cBhvr>
+                                      <p:tavLst>
+                                        <p:tav tm="0">
+                                          <p:val>
+                                            <p:strVal val="#ppt_y+#ppt_h*1.125000"/>
+                                          </p:val>
+                                        </p:tav>
+                                        <p:tav tm="100000">
+                                          <p:val>
+                                            <p:strVal val="#ppt_y"/>
+                                          </p:val>
+                                        </p:tav>
+                                      </p:tavLst>
+                                    </p:anim>
+                                    <p:animEffect transition="in" filter="wipe(up)">
+                                      <p:cBhvr>
+                                        <p:cTn id="44" dur="500"/>
+                                        <p:tgtEl>
+                                          <p:spTgt spid="3">
+                                            <p:txEl>
+                                              <p:pRg st="7" end="7"/>
+                                            </p:txEl>
+                                          </p:spTgt>
+                                        </p:tgtEl>
+                                      </p:cBhvr>
+                                    </p:animEffect>
+                                  </p:childTnLst>
+                                </p:cTn>
+                              </p:par>
+                              <p:par>
+                                <p:cTn id="45" presetID="12" presetClass="entr" presetSubtype="4" fill="hold" grpId="0" nodeType="withEffect">
+                                  <p:stCondLst>
+                                    <p:cond delay="0"/>
+                                  </p:stCondLst>
+                                  <p:childTnLst>
+                                    <p:set>
+                                      <p:cBhvr>
+                                        <p:cTn id="46" dur="1" fill="hold">
+                                          <p:stCondLst>
+                                            <p:cond delay="0"/>
+                                          </p:stCondLst>
+                                        </p:cTn>
+                                        <p:tgtEl>
+                                          <p:spTgt spid="3">
+                                            <p:txEl>
+                                              <p:pRg st="8" end="8"/>
+                                            </p:txEl>
+                                          </p:spTgt>
+                                        </p:tgtEl>
+                                        <p:attrNameLst>
+                                          <p:attrName>style.visibility</p:attrName>
+                                        </p:attrNameLst>
+                                      </p:cBhvr>
+                                      <p:to>
+                                        <p:strVal val="visible"/>
+                                      </p:to>
+                                    </p:set>
+                                    <p:anim calcmode="lin" valueType="num">
+                                      <p:cBhvr additive="base">
+                                        <p:cTn id="47" dur="500"/>
+                                        <p:tgtEl>
+                                          <p:spTgt spid="3">
+                                            <p:txEl>
+                                              <p:pRg st="8" end="8"/>
+                                            </p:txEl>
+                                          </p:spTgt>
+                                        </p:tgtEl>
+                                        <p:attrNameLst>
+                                          <p:attrName>ppt_y</p:attrName>
+                                        </p:attrNameLst>
+                                      </p:cBhvr>
+                                      <p:tavLst>
+                                        <p:tav tm="0">
+                                          <p:val>
+                                            <p:strVal val="#ppt_y+#ppt_h*1.125000"/>
+                                          </p:val>
+                                        </p:tav>
+                                        <p:tav tm="100000">
+                                          <p:val>
+                                            <p:strVal val="#ppt_y"/>
+                                          </p:val>
+                                        </p:tav>
+                                      </p:tavLst>
+                                    </p:anim>
+                                    <p:animEffect transition="in" filter="wipe(up)">
+                                      <p:cBhvr>
+                                        <p:cTn id="48" dur="500"/>
+                                        <p:tgtEl>
+                                          <p:spTgt spid="3">
+                                            <p:txEl>
+                                              <p:pRg st="8" end="8"/>
+                                            </p:txEl>
+                                          </p:spTgt>
+                                        </p:tgtEl>
+                                      </p:cBhvr>
+                                    </p:animEffect>
+                                  </p:childTnLst>
+                                </p:cTn>
+                              </p:par>
+                            </p:childTnLst>
+                          </p:cTn>
+                        </p:par>
+                      </p:childTnLst>
+                    </p:cTn>
+                  </p:par>
+                  <p:par>
+                    <p:cTn id="49" fill="hold">
+                      <p:stCondLst>
+                        <p:cond delay="indefinite"/>
+                      </p:stCondLst>
+                      <p:childTnLst>
+                        <p:par>
+                          <p:cTn id="50" fill="hold">
+                            <p:stCondLst>
+                              <p:cond delay="0"/>
+                            </p:stCondLst>
+                            <p:childTnLst>
+                              <p:par>
+                                <p:cTn id="51" presetID="12" presetClass="entr" presetSubtype="4" fill="hold" grpId="0" nodeType="clickEffect">
+                                  <p:stCondLst>
+                                    <p:cond delay="0"/>
+                                  </p:stCondLst>
+                                  <p:childTnLst>
+                                    <p:set>
+                                      <p:cBhvr>
+                                        <p:cTn id="52" dur="1" fill="hold">
+                                          <p:stCondLst>
+                                            <p:cond delay="0"/>
+                                          </p:stCondLst>
+                                        </p:cTn>
+                                        <p:tgtEl>
+                                          <p:spTgt spid="3">
+                                            <p:txEl>
+                                              <p:pRg st="9" end="9"/>
+                                            </p:txEl>
+                                          </p:spTgt>
+                                        </p:tgtEl>
+                                        <p:attrNameLst>
+                                          <p:attrName>style.visibility</p:attrName>
+                                        </p:attrNameLst>
+                                      </p:cBhvr>
+                                      <p:to>
+                                        <p:strVal val="visible"/>
+                                      </p:to>
+                                    </p:set>
+                                    <p:anim calcmode="lin" valueType="num">
+                                      <p:cBhvr additive="base">
+                                        <p:cTn id="53" dur="500"/>
+                                        <p:tgtEl>
+                                          <p:spTgt spid="3">
+                                            <p:txEl>
+                                              <p:pRg st="9" end="9"/>
+                                            </p:txEl>
+                                          </p:spTgt>
+                                        </p:tgtEl>
+                                        <p:attrNameLst>
+                                          <p:attrName>ppt_y</p:attrName>
+                                        </p:attrNameLst>
+                                      </p:cBhvr>
+                                      <p:tavLst>
+                                        <p:tav tm="0">
+                                          <p:val>
+                                            <p:strVal val="#ppt_y+#ppt_h*1.125000"/>
+                                          </p:val>
+                                        </p:tav>
+                                        <p:tav tm="100000">
+                                          <p:val>
+                                            <p:strVal val="#ppt_y"/>
+                                          </p:val>
+                                        </p:tav>
+                                      </p:tavLst>
+                                    </p:anim>
+                                    <p:animEffect transition="in" filter="wipe(up)">
+                                      <p:cBhvr>
+                                        <p:cTn id="54" dur="500"/>
+                                        <p:tgtEl>
+                                          <p:spTgt spid="3">
+                                            <p:txEl>
+                                              <p:pRg st="9" end="9"/>
+                                            </p:txEl>
+                                          </p:spTgt>
+                                        </p:tgtEl>
+                                      </p:cBhvr>
+                                    </p:animEffect>
+                                  </p:childTnLst>
+                                </p:cTn>
+                              </p:par>
+                            </p:childTnLst>
+                          </p:cTn>
+                        </p:par>
+                      </p:childTnLst>
+                    </p:cTn>
+                  </p:par>
+                  <p:par>
+                    <p:cTn id="55" fill="hold">
+                      <p:stCondLst>
+                        <p:cond delay="indefinite"/>
+                      </p:stCondLst>
+                      <p:childTnLst>
+                        <p:par>
+                          <p:cTn id="56" fill="hold">
+                            <p:stCondLst>
+                              <p:cond delay="0"/>
+                            </p:stCondLst>
+                            <p:childTnLst>
+                              <p:par>
+                                <p:cTn id="57" presetID="12" presetClass="entr" presetSubtype="4" fill="hold" grpId="0" nodeType="clickEffect">
+                                  <p:stCondLst>
+                                    <p:cond delay="0"/>
+                                  </p:stCondLst>
+                                  <p:childTnLst>
+                                    <p:set>
+                                      <p:cBhvr>
+                                        <p:cTn id="58" dur="1" fill="hold">
+                                          <p:stCondLst>
+                                            <p:cond delay="0"/>
+                                          </p:stCondLst>
+                                        </p:cTn>
+                                        <p:tgtEl>
+                                          <p:spTgt spid="3">
+                                            <p:txEl>
+                                              <p:pRg st="10" end="10"/>
+                                            </p:txEl>
+                                          </p:spTgt>
+                                        </p:tgtEl>
+                                        <p:attrNameLst>
+                                          <p:attrName>style.visibility</p:attrName>
+                                        </p:attrNameLst>
+                                      </p:cBhvr>
+                                      <p:to>
+                                        <p:strVal val="visible"/>
+                                      </p:to>
+                                    </p:set>
+                                    <p:anim calcmode="lin" valueType="num">
+                                      <p:cBhvr additive="base">
+                                        <p:cTn id="59" dur="500"/>
+                                        <p:tgtEl>
+                                          <p:spTgt spid="3">
+                                            <p:txEl>
+                                              <p:pRg st="10" end="10"/>
+                                            </p:txEl>
+                                          </p:spTgt>
+                                        </p:tgtEl>
+                                        <p:attrNameLst>
+                                          <p:attrName>ppt_y</p:attrName>
+                                        </p:attrNameLst>
+                                      </p:cBhvr>
+                                      <p:tavLst>
+                                        <p:tav tm="0">
+                                          <p:val>
+                                            <p:strVal val="#ppt_y+#ppt_h*1.125000"/>
+                                          </p:val>
+                                        </p:tav>
+                                        <p:tav tm="100000">
+                                          <p:val>
+                                            <p:strVal val="#ppt_y"/>
+                                          </p:val>
+                                        </p:tav>
+                                      </p:tavLst>
+                                    </p:anim>
+                                    <p:animEffect transition="in" filter="wipe(up)">
+                                      <p:cBhvr>
+                                        <p:cTn id="60" dur="500"/>
+                                        <p:tgtEl>
+                                          <p:spTgt spid="3">
+                                            <p:txEl>
+                                              <p:pRg st="10" end="10"/>
+                                            </p:txEl>
+                                          </p:spTgt>
+                                        </p:tgtEl>
+                                      </p:cBhvr>
+                                    </p:animEffect>
+                                  </p:childTnLst>
+                                </p:cTn>
+                              </p:par>
+                            </p:childTnLst>
+                          </p:cTn>
+                        </p:par>
+                      </p:childTnLst>
+                    </p:cTn>
+                  </p:par>
+                </p:childTnLst>
+              </p:cTn>
+              <p:prevCondLst>
+                <p:cond evt="onPrev" delay="0">
+                  <p:tgtEl>
+                    <p:sldTgt/>
+                  </p:tgtEl>
+                </p:cond>
+              </p:prevCondLst>
+              <p:nextCondLst>
+                <p:cond evt="onNext" delay="0">
+                  <p:tgtEl>
+                    <p:sldTgt/>
+                  </p:tgtEl>
+                </p:cond>
+              </p:nextCondLst>
+            </p:seq>
+          </p:childTnLst>
+        </p:cTn>
+      </p:par>
+    </p:tnLst>
+    <p:bldLst>
+      <p:bldP spid="3" grpId="0" build="p"/>
+    </p:bldLst>
+  </p:timing>
 </p:sld>
 </file>
 
@@ -4041,6 +4946,300 @@
   <p:clrMapOvr>
     <a:masterClrMapping/>
   </p:clrMapOvr>
+  <p:timing>
+    <p:tnLst>
+      <p:par>
+        <p:cTn id="1" dur="indefinite" restart="never" nodeType="tmRoot">
+          <p:childTnLst>
+            <p:seq concurrent="1" nextAc="seek">
+              <p:cTn id="2" dur="indefinite" nodeType="mainSeq">
+                <p:childTnLst>
+                  <p:par>
+                    <p:cTn id="3" fill="hold">
+                      <p:stCondLst>
+                        <p:cond delay="indefinite"/>
+                      </p:stCondLst>
+                      <p:childTnLst>
+                        <p:par>
+                          <p:cTn id="4" fill="hold">
+                            <p:stCondLst>
+                              <p:cond delay="0"/>
+                            </p:stCondLst>
+                            <p:childTnLst>
+                              <p:par>
+                                <p:cTn id="5" presetID="12" presetClass="entr" presetSubtype="4" fill="hold" nodeType="clickEffect">
+                                  <p:stCondLst>
+                                    <p:cond delay="0"/>
+                                  </p:stCondLst>
+                                  <p:childTnLst>
+                                    <p:set>
+                                      <p:cBhvr>
+                                        <p:cTn id="6" dur="1" fill="hold">
+                                          <p:stCondLst>
+                                            <p:cond delay="0"/>
+                                          </p:stCondLst>
+                                        </p:cTn>
+                                        <p:tgtEl>
+                                          <p:spTgt spid="11">
+                                            <p:txEl>
+                                              <p:pRg st="2" end="2"/>
+                                            </p:txEl>
+                                          </p:spTgt>
+                                        </p:tgtEl>
+                                        <p:attrNameLst>
+                                          <p:attrName>style.visibility</p:attrName>
+                                        </p:attrNameLst>
+                                      </p:cBhvr>
+                                      <p:to>
+                                        <p:strVal val="visible"/>
+                                      </p:to>
+                                    </p:set>
+                                    <p:anim calcmode="lin" valueType="num">
+                                      <p:cBhvr additive="base">
+                                        <p:cTn id="7" dur="500"/>
+                                        <p:tgtEl>
+                                          <p:spTgt spid="11">
+                                            <p:txEl>
+                                              <p:pRg st="2" end="2"/>
+                                            </p:txEl>
+                                          </p:spTgt>
+                                        </p:tgtEl>
+                                        <p:attrNameLst>
+                                          <p:attrName>ppt_y</p:attrName>
+                                        </p:attrNameLst>
+                                      </p:cBhvr>
+                                      <p:tavLst>
+                                        <p:tav tm="0">
+                                          <p:val>
+                                            <p:strVal val="#ppt_y+#ppt_h*1.125000"/>
+                                          </p:val>
+                                        </p:tav>
+                                        <p:tav tm="100000">
+                                          <p:val>
+                                            <p:strVal val="#ppt_y"/>
+                                          </p:val>
+                                        </p:tav>
+                                      </p:tavLst>
+                                    </p:anim>
+                                    <p:animEffect transition="in" filter="wipe(up)">
+                                      <p:cBhvr>
+                                        <p:cTn id="8" dur="500"/>
+                                        <p:tgtEl>
+                                          <p:spTgt spid="11">
+                                            <p:txEl>
+                                              <p:pRg st="2" end="2"/>
+                                            </p:txEl>
+                                          </p:spTgt>
+                                        </p:tgtEl>
+                                      </p:cBhvr>
+                                    </p:animEffect>
+                                  </p:childTnLst>
+                                </p:cTn>
+                              </p:par>
+                            </p:childTnLst>
+                          </p:cTn>
+                        </p:par>
+                      </p:childTnLst>
+                    </p:cTn>
+                  </p:par>
+                  <p:par>
+                    <p:cTn id="9" fill="hold">
+                      <p:stCondLst>
+                        <p:cond delay="indefinite"/>
+                      </p:stCondLst>
+                      <p:childTnLst>
+                        <p:par>
+                          <p:cTn id="10" fill="hold">
+                            <p:stCondLst>
+                              <p:cond delay="0"/>
+                            </p:stCondLst>
+                            <p:childTnLst>
+                              <p:par>
+                                <p:cTn id="11" presetID="12" presetClass="entr" presetSubtype="4" fill="hold" nodeType="clickEffect">
+                                  <p:stCondLst>
+                                    <p:cond delay="0"/>
+                                  </p:stCondLst>
+                                  <p:childTnLst>
+                                    <p:set>
+                                      <p:cBhvr>
+                                        <p:cTn id="12" dur="1" fill="hold">
+                                          <p:stCondLst>
+                                            <p:cond delay="0"/>
+                                          </p:stCondLst>
+                                        </p:cTn>
+                                        <p:tgtEl>
+                                          <p:spTgt spid="11">
+                                            <p:txEl>
+                                              <p:pRg st="4" end="4"/>
+                                            </p:txEl>
+                                          </p:spTgt>
+                                        </p:tgtEl>
+                                        <p:attrNameLst>
+                                          <p:attrName>style.visibility</p:attrName>
+                                        </p:attrNameLst>
+                                      </p:cBhvr>
+                                      <p:to>
+                                        <p:strVal val="visible"/>
+                                      </p:to>
+                                    </p:set>
+                                    <p:anim calcmode="lin" valueType="num">
+                                      <p:cBhvr additive="base">
+                                        <p:cTn id="13" dur="500"/>
+                                        <p:tgtEl>
+                                          <p:spTgt spid="11">
+                                            <p:txEl>
+                                              <p:pRg st="4" end="4"/>
+                                            </p:txEl>
+                                          </p:spTgt>
+                                        </p:tgtEl>
+                                        <p:attrNameLst>
+                                          <p:attrName>ppt_y</p:attrName>
+                                        </p:attrNameLst>
+                                      </p:cBhvr>
+                                      <p:tavLst>
+                                        <p:tav tm="0">
+                                          <p:val>
+                                            <p:strVal val="#ppt_y+#ppt_h*1.125000"/>
+                                          </p:val>
+                                        </p:tav>
+                                        <p:tav tm="100000">
+                                          <p:val>
+                                            <p:strVal val="#ppt_y"/>
+                                          </p:val>
+                                        </p:tav>
+                                      </p:tavLst>
+                                    </p:anim>
+                                    <p:animEffect transition="in" filter="wipe(up)">
+                                      <p:cBhvr>
+                                        <p:cTn id="14" dur="500"/>
+                                        <p:tgtEl>
+                                          <p:spTgt spid="11">
+                                            <p:txEl>
+                                              <p:pRg st="4" end="4"/>
+                                            </p:txEl>
+                                          </p:spTgt>
+                                        </p:tgtEl>
+                                      </p:cBhvr>
+                                    </p:animEffect>
+                                  </p:childTnLst>
+                                </p:cTn>
+                              </p:par>
+                            </p:childTnLst>
+                          </p:cTn>
+                        </p:par>
+                      </p:childTnLst>
+                    </p:cTn>
+                  </p:par>
+                  <p:par>
+                    <p:cTn id="15" fill="hold">
+                      <p:stCondLst>
+                        <p:cond delay="indefinite"/>
+                      </p:stCondLst>
+                      <p:childTnLst>
+                        <p:par>
+                          <p:cTn id="16" fill="hold">
+                            <p:stCondLst>
+                              <p:cond delay="0"/>
+                            </p:stCondLst>
+                            <p:childTnLst>
+                              <p:par>
+                                <p:cTn id="17" presetID="12" presetClass="entr" presetSubtype="4" fill="hold" nodeType="clickEffect">
+                                  <p:stCondLst>
+                                    <p:cond delay="0"/>
+                                  </p:stCondLst>
+                                  <p:childTnLst>
+                                    <p:set>
+                                      <p:cBhvr>
+                                        <p:cTn id="18" dur="1" fill="hold">
+                                          <p:stCondLst>
+                                            <p:cond delay="0"/>
+                                          </p:stCondLst>
+                                        </p:cTn>
+                                        <p:tgtEl>
+                                          <p:spTgt spid="11">
+                                            <p:txEl>
+                                              <p:pRg st="6" end="6"/>
+                                            </p:txEl>
+                                          </p:spTgt>
+                                        </p:tgtEl>
+                                        <p:attrNameLst>
+                                          <p:attrName>style.visibility</p:attrName>
+                                        </p:attrNameLst>
+                                      </p:cBhvr>
+                                      <p:to>
+                                        <p:strVal val="visible"/>
+                                      </p:to>
+                                    </p:set>
+                                    <p:anim calcmode="lin" valueType="num">
+                                      <p:cBhvr additive="base">
+                                        <p:cTn id="19" dur="500"/>
+                                        <p:tgtEl>
+                                          <p:spTgt spid="11">
+                                            <p:txEl>
+                                              <p:pRg st="6" end="6"/>
+                                            </p:txEl>
+                                          </p:spTgt>
+                                        </p:tgtEl>
+                                        <p:attrNameLst>
+                                          <p:attrName>ppt_y</p:attrName>
+                                        </p:attrNameLst>
+                                      </p:cBhvr>
+                                      <p:tavLst>
+                                        <p:tav tm="0">
+                                          <p:val>
+                                            <p:strVal val="#ppt_y+#ppt_h*1.125000"/>
+                                          </p:val>
+                                        </p:tav>
+                                        <p:tav tm="100000">
+                                          <p:val>
+                                            <p:strVal val="#ppt_y"/>
+                                          </p:val>
+                                        </p:tav>
+                                      </p:tavLst>
+                                    </p:anim>
+                                    <p:animEffect transition="in" filter="wipe(up)">
+                                      <p:cBhvr>
+                                        <p:cTn id="20" dur="500"/>
+                                        <p:tgtEl>
+                                          <p:spTgt spid="11">
+                                            <p:txEl>
+                                              <p:pRg st="6" end="6"/>
+                                            </p:txEl>
+                                          </p:spTgt>
+                                        </p:tgtEl>
+                                      </p:cBhvr>
+                                    </p:animEffect>
+                                  </p:childTnLst>
+                                </p:cTn>
+                              </p:par>
+                            </p:childTnLst>
+                          </p:cTn>
+                        </p:par>
+                      </p:childTnLst>
+                    </p:cTn>
+                  </p:par>
+                </p:childTnLst>
+              </p:cTn>
+              <p:prevCondLst>
+                <p:cond evt="onPrev" delay="0">
+                  <p:tgtEl>
+                    <p:sldTgt/>
+                  </p:tgtEl>
+                </p:cond>
+              </p:prevCondLst>
+              <p:nextCondLst>
+                <p:cond evt="onNext" delay="0">
+                  <p:tgtEl>
+                    <p:sldTgt/>
+                  </p:tgtEl>
+                </p:cond>
+              </p:nextCondLst>
+            </p:seq>
+          </p:childTnLst>
+        </p:cTn>
+      </p:par>
+    </p:tnLst>
+  </p:timing>
 </p:sld>
 </file>
 
@@ -4281,86 +5480,124 @@
   <p:clrMapOvr>
     <a:masterClrMapping/>
   </p:clrMapOvr>
-</p:sld>
-</file>
-
-<file path=ppt/slides/slide6.xml><?xml version="1.0" encoding="utf-8"?>
-<p:sld xmlns:a="http://schemas.openxmlformats.org/drawingml/2006/main" xmlns:r="http://schemas.openxmlformats.org/officeDocument/2006/relationships" xmlns:p="http://schemas.openxmlformats.org/presentationml/2006/main">
-  <p:cSld>
-    <p:spTree>
-      <p:nvGrpSpPr>
-        <p:cNvPr id="1" name=""/>
-        <p:cNvGrpSpPr/>
-        <p:nvPr/>
-      </p:nvGrpSpPr>
-      <p:grpSpPr>
-        <a:xfrm>
-          <a:off x="0" y="0"/>
-          <a:ext cx="0" cy="0"/>
-          <a:chOff x="0" y="0"/>
-          <a:chExt cx="0" cy="0"/>
-        </a:xfrm>
-      </p:grpSpPr>
-      <p:sp>
-        <p:nvSpPr>
-          <p:cNvPr id="2" name="Title 1">
-            <a:extLst>
-              <a:ext uri="{FF2B5EF4-FFF2-40B4-BE49-F238E27FC236}">
-                <a16:creationId xmlns:a16="http://schemas.microsoft.com/office/drawing/2014/main" id="{B7DDDF84-0E6E-064B-A101-84C402B278D5}"/>
-              </a:ext>
-            </a:extLst>
-          </p:cNvPr>
-          <p:cNvSpPr>
-            <a:spLocks noGrp="1"/>
-          </p:cNvSpPr>
-          <p:nvPr>
-            <p:ph type="title"/>
-          </p:nvPr>
-        </p:nvSpPr>
-        <p:spPr/>
-        <p:txBody>
-          <a:bodyPr/>
-          <a:lstStyle/>
-          <a:p>
-            <a:endParaRPr lang="ru-RU"/>
-          </a:p>
-        </p:txBody>
-      </p:sp>
-      <p:sp>
-        <p:nvSpPr>
-          <p:cNvPr id="3" name="Content Placeholder 2">
-            <a:extLst>
-              <a:ext uri="{FF2B5EF4-FFF2-40B4-BE49-F238E27FC236}">
-                <a16:creationId xmlns:a16="http://schemas.microsoft.com/office/drawing/2014/main" id="{FA3CF717-C337-0D48-B378-F462C08D2C92}"/>
-              </a:ext>
-            </a:extLst>
-          </p:cNvPr>
-          <p:cNvSpPr>
-            <a:spLocks noGrp="1"/>
-          </p:cNvSpPr>
-          <p:nvPr>
-            <p:ph idx="1"/>
-          </p:nvPr>
-        </p:nvSpPr>
-        <p:spPr/>
-        <p:txBody>
-          <a:bodyPr/>
-          <a:lstStyle/>
-          <a:p>
-            <a:endParaRPr lang="ru-RU" dirty="0"/>
-          </a:p>
-        </p:txBody>
-      </p:sp>
-    </p:spTree>
-    <p:extLst>
-      <p:ext uri="{BB962C8B-B14F-4D97-AF65-F5344CB8AC3E}">
-        <p14:creationId xmlns:p14="http://schemas.microsoft.com/office/powerpoint/2010/main" val="3955995746"/>
-      </p:ext>
-    </p:extLst>
-  </p:cSld>
-  <p:clrMapOvr>
-    <a:masterClrMapping/>
-  </p:clrMapOvr>
+  <p:timing>
+    <p:tnLst>
+      <p:par>
+        <p:cTn id="1" dur="indefinite" restart="never" nodeType="tmRoot">
+          <p:childTnLst>
+            <p:seq concurrent="1" nextAc="seek">
+              <p:cTn id="2" dur="indefinite" nodeType="mainSeq">
+                <p:childTnLst>
+                  <p:par>
+                    <p:cTn id="3" fill="hold">
+                      <p:stCondLst>
+                        <p:cond delay="indefinite"/>
+                      </p:stCondLst>
+                      <p:childTnLst>
+                        <p:par>
+                          <p:cTn id="4" fill="hold">
+                            <p:stCondLst>
+                              <p:cond delay="0"/>
+                            </p:stCondLst>
+                            <p:childTnLst>
+                              <p:par>
+                                <p:cTn id="5" presetID="12" presetClass="entr" presetSubtype="4" fill="hold" nodeType="clickEffect">
+                                  <p:stCondLst>
+                                    <p:cond delay="0"/>
+                                  </p:stCondLst>
+                                  <p:childTnLst>
+                                    <p:set>
+                                      <p:cBhvr>
+                                        <p:cTn id="6" dur="1" fill="hold">
+                                          <p:stCondLst>
+                                            <p:cond delay="0"/>
+                                          </p:stCondLst>
+                                        </p:cTn>
+                                        <p:tgtEl>
+                                          <p:spTgt spid="3">
+                                            <p:txEl>
+                                              <p:pRg st="3" end="3"/>
+                                            </p:txEl>
+                                          </p:spTgt>
+                                        </p:tgtEl>
+                                        <p:attrNameLst>
+                                          <p:attrName>style.visibility</p:attrName>
+                                        </p:attrNameLst>
+                                      </p:cBhvr>
+                                      <p:to>
+                                        <p:strVal val="visible"/>
+                                      </p:to>
+                                    </p:set>
+                                    <p:anim calcmode="lin" valueType="num">
+                                      <p:cBhvr additive="base">
+                                        <p:cTn id="7" dur="500"/>
+                                        <p:tgtEl>
+                                          <p:spTgt spid="3">
+                                            <p:txEl>
+                                              <p:pRg st="3" end="3"/>
+                                            </p:txEl>
+                                          </p:spTgt>
+                                        </p:tgtEl>
+                                        <p:attrNameLst>
+                                          <p:attrName>ppt_y</p:attrName>
+                                        </p:attrNameLst>
+                                      </p:cBhvr>
+                                      <p:tavLst>
+                                        <p:tav tm="0">
+                                          <p:val>
+                                            <p:strVal val="#ppt_y+#ppt_h*1.125000"/>
+                                          </p:val>
+                                        </p:tav>
+                                        <p:tav tm="100000">
+                                          <p:val>
+                                            <p:strVal val="#ppt_y"/>
+                                          </p:val>
+                                        </p:tav>
+                                      </p:tavLst>
+                                    </p:anim>
+                                    <p:animEffect transition="in" filter="wipe(up)">
+                                      <p:cBhvr>
+                                        <p:cTn id="8" dur="500"/>
+                                        <p:tgtEl>
+                                          <p:spTgt spid="3">
+                                            <p:txEl>
+                                              <p:pRg st="3" end="3"/>
+                                            </p:txEl>
+                                          </p:spTgt>
+                                        </p:tgtEl>
+                                      </p:cBhvr>
+                                    </p:animEffect>
+                                  </p:childTnLst>
+                                </p:cTn>
+                              </p:par>
+                            </p:childTnLst>
+                          </p:cTn>
+                        </p:par>
+                      </p:childTnLst>
+                    </p:cTn>
+                  </p:par>
+                </p:childTnLst>
+              </p:cTn>
+              <p:prevCondLst>
+                <p:cond evt="onPrev" delay="0">
+                  <p:tgtEl>
+                    <p:sldTgt/>
+                  </p:tgtEl>
+                </p:cond>
+              </p:prevCondLst>
+              <p:nextCondLst>
+                <p:cond evt="onNext" delay="0">
+                  <p:tgtEl>
+                    <p:sldTgt/>
+                  </p:tgtEl>
+                </p:cond>
+              </p:nextCondLst>
+            </p:seq>
+          </p:childTnLst>
+        </p:cTn>
+      </p:par>
+    </p:tnLst>
+  </p:timing>
 </p:sld>
 </file>
 
